--- a/2024-05-04to05-10 (A5) C384400 NASA/31_09v01_Base Campi Artemis_Certificate_Demix.pptx
+++ b/2024-05-04to05-10 (A5) C384400 NASA/31_09v01_Base Campi Artemis_Certificate_Demix.pptx
@@ -482,7 +482,7 @@
           <a:p>
             <a:fld id="{1D8BD707-D9CF-40AE-B4C6-C98DA3205C09}" type="datetimeFigureOut">
               <a:rPr lang="en-US"/>
-              <a:t>7/13/2024</a:t>
+              <a:t>8/11/2024</a:t>
             </a:fld>
             <a:endParaRPr lang="en-US"/>
           </a:p>
@@ -647,7 +647,7 @@
           <a:p>
             <a:fld id="{1D8BD707-D9CF-40AE-B4C6-C98DA3205C09}" type="datetimeFigureOut">
               <a:rPr lang="en-US"/>
-              <a:t>7/13/2024</a:t>
+              <a:t>8/11/2024</a:t>
             </a:fld>
             <a:endParaRPr lang="en-US"/>
           </a:p>
@@ -855,7 +855,7 @@
           <a:p>
             <a:fld id="{1D8BD707-D9CF-40AE-B4C6-C98DA3205C09}" type="datetimeFigureOut">
               <a:rPr lang="en-US"/>
-              <a:t>7/13/2024</a:t>
+              <a:t>8/11/2024</a:t>
             </a:fld>
             <a:endParaRPr lang="en-US"/>
           </a:p>
@@ -997,7 +997,7 @@
           <a:p>
             <a:fld id="{1D8BD707-D9CF-40AE-B4C6-C98DA3205C09}" type="datetimeFigureOut">
               <a:rPr lang="en-US"/>
-              <a:t>7/13/2024</a:t>
+              <a:t>8/11/2024</a:t>
             </a:fld>
             <a:endParaRPr lang="en-US"/>
           </a:p>
@@ -1116,7 +1116,7 @@
           <a:p>
             <a:fld id="{1D8BD707-D9CF-40AE-B4C6-C98DA3205C09}" type="datetimeFigureOut">
               <a:rPr lang="en-US"/>
-              <a:t>7/13/2024</a:t>
+              <a:t>8/11/2024</a:t>
             </a:fld>
             <a:endParaRPr lang="en-US"/>
           </a:p>
@@ -1329,7 +1329,7 @@
           <a:p>
             <a:fld id="{1D8BD707-D9CF-40AE-B4C6-C98DA3205C09}" type="datetimeFigureOut">
               <a:rPr lang="en-US"/>
-              <a:t>7/13/2024</a:t>
+              <a:t>8/11/2024</a:t>
             </a:fld>
             <a:endParaRPr lang="en-US"/>
           </a:p>
@@ -2939,7 +2939,7 @@
           <a:graphicData uri="http://schemas.openxmlformats.org/presentationml/2006/ole">
             <mc:AlternateContent xmlns:mc="http://schemas.openxmlformats.org/markup-compatibility/2006">
               <mc:Choice xmlns:v="urn:schemas-microsoft-com:vml" Requires="v">
-                <p:oleObj spid="_x0000_s1044" name="Macro-Enabled Worksheet" r:id="rId6" imgW="2522043" imgH="335154" progId="Excel.SheetMacroEnabled.12">
+                <p:oleObj spid="_x0000_s1050" name="Macro-Enabled Worksheet" r:id="rId6" imgW="2522043" imgH="335154" progId="Excel.SheetMacroEnabled.12">
                   <p:link updateAutomatic="1"/>
                 </p:oleObj>
               </mc:Choice>
@@ -3002,7 +3002,7 @@
           <a:graphicData uri="http://schemas.openxmlformats.org/presentationml/2006/ole">
             <mc:AlternateContent xmlns:mc="http://schemas.openxmlformats.org/markup-compatibility/2006">
               <mc:Choice xmlns:v="urn:schemas-microsoft-com:vml" Requires="v">
-                <p:oleObj spid="_x0000_s1045" name="Macro-Enabled Worksheet" r:id="rId8" imgW="6819723" imgH="548782" progId="Excel.SheetMacroEnabled.12">
+                <p:oleObj spid="_x0000_s1051" name="Macro-Enabled Worksheet" r:id="rId8" imgW="6819723" imgH="548782" progId="Excel.SheetMacroEnabled.12">
                   <p:link updateAutomatic="1"/>
                 </p:oleObj>
               </mc:Choice>
@@ -3065,7 +3065,7 @@
           <a:graphicData uri="http://schemas.openxmlformats.org/presentationml/2006/ole">
             <mc:AlternateContent xmlns:mc="http://schemas.openxmlformats.org/markup-compatibility/2006">
               <mc:Choice xmlns:v="urn:schemas-microsoft-com:vml" Requires="v">
-                <p:oleObj spid="_x0000_s1046" name="Macro-Enabled Worksheet" r:id="rId10" imgW="6819723" imgH="640033" progId="Excel.SheetMacroEnabled.12">
+                <p:oleObj spid="_x0000_s1052" name="Macro-Enabled Worksheet" r:id="rId10" imgW="6819723" imgH="640033" progId="Excel.SheetMacroEnabled.12">
                   <p:link updateAutomatic="1"/>
                 </p:oleObj>
               </mc:Choice>
@@ -3128,7 +3128,7 @@
           <a:graphicData uri="http://schemas.openxmlformats.org/presentationml/2006/ole">
             <mc:AlternateContent xmlns:mc="http://schemas.openxmlformats.org/markup-compatibility/2006">
               <mc:Choice xmlns:v="urn:schemas-microsoft-com:vml" Requires="v">
-                <p:oleObj spid="_x0000_s1047" name="Macro-Enabled Worksheet" r:id="rId12" imgW="6819723" imgH="335154" progId="Excel.SheetMacroEnabled.12">
+                <p:oleObj spid="_x0000_s1053" name="Macro-Enabled Worksheet" r:id="rId12" imgW="6819723" imgH="335154" progId="Excel.SheetMacroEnabled.12">
                   <p:link updateAutomatic="1"/>
                 </p:oleObj>
               </mc:Choice>
@@ -3227,7 +3227,7 @@
           <a:graphicData uri="http://schemas.openxmlformats.org/presentationml/2006/ole">
             <mc:AlternateContent xmlns:mc="http://schemas.openxmlformats.org/markup-compatibility/2006">
               <mc:Choice xmlns:v="urn:schemas-microsoft-com:vml" Requires="v">
-                <p:oleObj spid="_x0000_s1048" name="Macro-Enabled Worksheet" r:id="rId15" imgW="3779662" imgH="906962" progId="Excel.SheetMacroEnabled.12">
+                <p:oleObj spid="_x0000_s1054" name="Macro-Enabled Worksheet" r:id="rId15" imgW="3779662" imgH="906962" progId="Excel.SheetMacroEnabled.12">
                   <p:link updateAutomatic="1"/>
                 </p:oleObj>
               </mc:Choice>
@@ -3290,7 +3290,7 @@
           <a:graphicData uri="http://schemas.openxmlformats.org/presentationml/2006/ole">
             <mc:AlternateContent xmlns:mc="http://schemas.openxmlformats.org/markup-compatibility/2006">
               <mc:Choice xmlns:v="urn:schemas-microsoft-com:vml" Requires="v">
-                <p:oleObj spid="_x0000_s1049" name="Macro-Enabled Worksheet" r:id="rId17" imgW="3093649" imgH="251578" progId="Excel.SheetMacroEnabled.12">
+                <p:oleObj spid="_x0000_s1055" name="Macro-Enabled Worksheet" r:id="rId17" imgW="3093649" imgH="251578" progId="Excel.SheetMacroEnabled.12">
                   <p:link updateAutomatic="1"/>
                 </p:oleObj>
               </mc:Choice>
@@ -3398,42 +3398,6 @@
       </p:pic>
       <p:sp>
         <p:nvSpPr>
-          <p:cNvPr id="19" name="TextBox 18">
-            <a:extLst>
-              <a:ext uri="{FF2B5EF4-FFF2-40B4-BE49-F238E27FC236}">
-                <a16:creationId xmlns:a16="http://schemas.microsoft.com/office/drawing/2014/main" id="{7A274866-716C-4C28-BCCA-51C39208F5CC}"/>
-              </a:ext>
-            </a:extLst>
-          </p:cNvPr>
-          <p:cNvSpPr txBox="1"/>
-          <p:nvPr/>
-        </p:nvSpPr>
-        <p:spPr>
-          <a:xfrm>
-            <a:off x="3661258" y="6838271"/>
-            <a:ext cx="3447077" cy="261610"/>
-          </a:xfrm>
-          <a:prstGeom prst="rect">
-            <a:avLst/>
-          </a:prstGeom>
-          <a:noFill/>
-        </p:spPr>
-        <p:txBody>
-          <a:bodyPr wrap="square" rtlCol="0">
-            <a:spAutoFit/>
-          </a:bodyPr>
-          <a:lstStyle/>
-          <a:p>
-            <a:pPr algn="r"/>
-            <a:r>
-              <a:rPr lang="en-ZA" sz="1100" i="0" dirty="0"/>
-              <a:t>Demix Logo is a registered trademark in PRC and RSA</a:t>
-            </a:r>
-          </a:p>
-        </p:txBody>
-      </p:sp>
-      <p:sp>
-        <p:nvSpPr>
           <p:cNvPr id="3" name="TextBox 2">
             <a:extLst>
               <a:ext uri="{FF2B5EF4-FFF2-40B4-BE49-F238E27FC236}">
@@ -3471,6 +3435,46 @@
               <a:latin typeface="Aharoni" panose="02010803020104030203" pitchFamily="2" charset="-79"/>
               <a:cs typeface="Aharoni" panose="02010803020104030203" pitchFamily="2" charset="-79"/>
             </a:endParaRPr>
+          </a:p>
+        </p:txBody>
+      </p:sp>
+      <p:sp>
+        <p:nvSpPr>
+          <p:cNvPr id="21" name="TextBox 20">
+            <a:extLst>
+              <a:ext uri="{FF2B5EF4-FFF2-40B4-BE49-F238E27FC236}">
+                <a16:creationId xmlns:a16="http://schemas.microsoft.com/office/drawing/2014/main" id="{AAE78C70-3ECB-47E5-B82E-3ED3545C3FB5}"/>
+              </a:ext>
+            </a:extLst>
+          </p:cNvPr>
+          <p:cNvSpPr txBox="1"/>
+          <p:nvPr/>
+        </p:nvSpPr>
+        <p:spPr>
+          <a:xfrm>
+            <a:off x="2727325" y="7043283"/>
+            <a:ext cx="5081587" cy="261610"/>
+          </a:xfrm>
+          <a:prstGeom prst="rect">
+            <a:avLst/>
+          </a:prstGeom>
+          <a:noFill/>
+        </p:spPr>
+        <p:txBody>
+          <a:bodyPr wrap="square" rtlCol="0">
+            <a:spAutoFit/>
+          </a:bodyPr>
+          <a:lstStyle/>
+          <a:p>
+            <a:pPr algn="r"/>
+            <a:r>
+              <a:rPr lang="en-ZA" sz="1100" i="0" dirty="0">
+                <a:solidFill>
+                  <a:srgbClr val="FF0000"/>
+                </a:solidFill>
+              </a:rPr>
+              <a:t>Demix Logo is a registered trademark in PRC# 21050449 and RSA# 2016/17910</a:t>
+            </a:r>
           </a:p>
         </p:txBody>
       </p:sp>
@@ -4878,7 +4882,7 @@
           <a:graphicData uri="http://schemas.openxmlformats.org/presentationml/2006/ole">
             <mc:AlternateContent xmlns:mc="http://schemas.openxmlformats.org/markup-compatibility/2006">
               <mc:Choice xmlns:v="urn:schemas-microsoft-com:vml" Requires="v">
-                <p:oleObj spid="_x0000_s2068" name="Macro-Enabled Worksheet" r:id="rId6" imgW="2522043" imgH="335154" progId="Excel.SheetMacroEnabled.12">
+                <p:oleObj spid="_x0000_s2074" name="Macro-Enabled Worksheet" r:id="rId6" imgW="2522043" imgH="335154" progId="Excel.SheetMacroEnabled.12">
                   <p:link updateAutomatic="1"/>
                 </p:oleObj>
               </mc:Choice>
@@ -4947,7 +4951,7 @@
           <a:graphicData uri="http://schemas.openxmlformats.org/presentationml/2006/ole">
             <mc:AlternateContent xmlns:mc="http://schemas.openxmlformats.org/markup-compatibility/2006">
               <mc:Choice xmlns:v="urn:schemas-microsoft-com:vml" Requires="v">
-                <p:oleObj spid="_x0000_s2069" name="Macro-Enabled Worksheet" r:id="rId8" imgW="6819723" imgH="335154" progId="Excel.SheetMacroEnabled.12">
+                <p:oleObj spid="_x0000_s2075" name="Macro-Enabled Worksheet" r:id="rId8" imgW="6819723" imgH="335154" progId="Excel.SheetMacroEnabled.12">
                   <p:link updateAutomatic="1"/>
                 </p:oleObj>
               </mc:Choice>
@@ -5016,7 +5020,7 @@
           <a:graphicData uri="http://schemas.openxmlformats.org/presentationml/2006/ole">
             <mc:AlternateContent xmlns:mc="http://schemas.openxmlformats.org/markup-compatibility/2006">
               <mc:Choice xmlns:v="urn:schemas-microsoft-com:vml" Requires="v">
-                <p:oleObj spid="_x0000_s2070" name="Macro-Enabled Worksheet" r:id="rId10" imgW="3779662" imgH="906962" progId="Excel.SheetMacroEnabled.12">
+                <p:oleObj spid="_x0000_s2076" name="Macro-Enabled Worksheet" r:id="rId10" imgW="3779662" imgH="906962" progId="Excel.SheetMacroEnabled.12">
                   <p:link updateAutomatic="1"/>
                 </p:oleObj>
               </mc:Choice>
@@ -5085,7 +5089,7 @@
           <a:graphicData uri="http://schemas.openxmlformats.org/presentationml/2006/ole">
             <mc:AlternateContent xmlns:mc="http://schemas.openxmlformats.org/markup-compatibility/2006">
               <mc:Choice xmlns:v="urn:schemas-microsoft-com:vml" Requires="v">
-                <p:oleObj spid="_x0000_s2071" name="Macro-Enabled Worksheet" r:id="rId12" imgW="3093649" imgH="251578" progId="Excel.SheetMacroEnabled.12">
+                <p:oleObj spid="_x0000_s2077" name="Macro-Enabled Worksheet" r:id="rId12" imgW="3093649" imgH="251578" progId="Excel.SheetMacroEnabled.12">
                   <p:link updateAutomatic="1"/>
                 </p:oleObj>
               </mc:Choice>
@@ -5190,7 +5194,7 @@
           <a:graphicData uri="http://schemas.openxmlformats.org/presentationml/2006/ole">
             <mc:AlternateContent xmlns:mc="http://schemas.openxmlformats.org/markup-compatibility/2006">
               <mc:Choice xmlns:v="urn:schemas-microsoft-com:vml" Requires="v">
-                <p:oleObj spid="_x0000_s2072" name="Macro-Enabled Worksheet" r:id="rId15" imgW="6819723" imgH="304879" progId="Excel.SheetMacroEnabled.12">
+                <p:oleObj spid="_x0000_s2078" name="Macro-Enabled Worksheet" r:id="rId15" imgW="6819723" imgH="304879" progId="Excel.SheetMacroEnabled.12">
                   <p:link updateAutomatic="1"/>
                 </p:oleObj>
               </mc:Choice>
@@ -5253,7 +5257,7 @@
           <a:graphicData uri="http://schemas.openxmlformats.org/presentationml/2006/ole">
             <mc:AlternateContent xmlns:mc="http://schemas.openxmlformats.org/markup-compatibility/2006">
               <mc:Choice xmlns:v="urn:schemas-microsoft-com:vml" Requires="v">
-                <p:oleObj spid="_x0000_s2073" name="Macro-Enabled Worksheet" r:id="rId17" imgW="6819723" imgH="312554" progId="Excel.SheetMacroEnabled.12">
+                <p:oleObj spid="_x0000_s2079" name="Macro-Enabled Worksheet" r:id="rId17" imgW="6819723" imgH="312554" progId="Excel.SheetMacroEnabled.12">
                   <p:link updateAutomatic="1"/>
                 </p:oleObj>
               </mc:Choice>
@@ -5361,42 +5365,6 @@
       </p:pic>
       <p:sp>
         <p:nvSpPr>
-          <p:cNvPr id="19" name="TextBox 18">
-            <a:extLst>
-              <a:ext uri="{FF2B5EF4-FFF2-40B4-BE49-F238E27FC236}">
-                <a16:creationId xmlns:a16="http://schemas.microsoft.com/office/drawing/2014/main" id="{D9472817-8A42-4D4E-B5FB-EDBFFB1002D7}"/>
-              </a:ext>
-            </a:extLst>
-          </p:cNvPr>
-          <p:cNvSpPr txBox="1"/>
-          <p:nvPr/>
-        </p:nvSpPr>
-        <p:spPr>
-          <a:xfrm>
-            <a:off x="3661258" y="6838271"/>
-            <a:ext cx="3447077" cy="261610"/>
-          </a:xfrm>
-          <a:prstGeom prst="rect">
-            <a:avLst/>
-          </a:prstGeom>
-          <a:noFill/>
-        </p:spPr>
-        <p:txBody>
-          <a:bodyPr wrap="square" rtlCol="0">
-            <a:spAutoFit/>
-          </a:bodyPr>
-          <a:lstStyle/>
-          <a:p>
-            <a:pPr algn="r"/>
-            <a:r>
-              <a:rPr lang="en-ZA" sz="1100" i="0" dirty="0"/>
-              <a:t>Demix Logo is a registered trademark in PRC and RSA</a:t>
-            </a:r>
-          </a:p>
-        </p:txBody>
-      </p:sp>
-      <p:sp>
-        <p:nvSpPr>
           <p:cNvPr id="22" name="TextBox 21">
             <a:extLst>
               <a:ext uri="{FF2B5EF4-FFF2-40B4-BE49-F238E27FC236}">
@@ -5434,6 +5402,46 @@
               <a:latin typeface="Aharoni" panose="02010803020104030203" pitchFamily="2" charset="-79"/>
               <a:cs typeface="Aharoni" panose="02010803020104030203" pitchFamily="2" charset="-79"/>
             </a:endParaRPr>
+          </a:p>
+        </p:txBody>
+      </p:sp>
+      <p:sp>
+        <p:nvSpPr>
+          <p:cNvPr id="23" name="TextBox 22">
+            <a:extLst>
+              <a:ext uri="{FF2B5EF4-FFF2-40B4-BE49-F238E27FC236}">
+                <a16:creationId xmlns:a16="http://schemas.microsoft.com/office/drawing/2014/main" id="{69F16FF9-5789-47F3-BACE-2CA609CF68EA}"/>
+              </a:ext>
+            </a:extLst>
+          </p:cNvPr>
+          <p:cNvSpPr txBox="1"/>
+          <p:nvPr/>
+        </p:nvSpPr>
+        <p:spPr>
+          <a:xfrm>
+            <a:off x="2727325" y="7043283"/>
+            <a:ext cx="5081587" cy="261610"/>
+          </a:xfrm>
+          <a:prstGeom prst="rect">
+            <a:avLst/>
+          </a:prstGeom>
+          <a:noFill/>
+        </p:spPr>
+        <p:txBody>
+          <a:bodyPr wrap="square" rtlCol="0">
+            <a:spAutoFit/>
+          </a:bodyPr>
+          <a:lstStyle/>
+          <a:p>
+            <a:pPr algn="r"/>
+            <a:r>
+              <a:rPr lang="en-ZA" sz="1100" i="0" dirty="0">
+                <a:solidFill>
+                  <a:srgbClr val="FF0000"/>
+                </a:solidFill>
+              </a:rPr>
+              <a:t>Demix Logo is a registered trademark in PRC# 21050449 and RSA# 2016/17910</a:t>
+            </a:r>
           </a:p>
         </p:txBody>
       </p:sp>
@@ -5995,21 +6003,6 @@
 </file>
 
 <file path=customXml/item1.xml><?xml version="1.0" encoding="utf-8"?>
-<p:properties xmlns:p="http://schemas.microsoft.com/office/2006/metadata/properties" xmlns:xsi="http://www.w3.org/2001/XMLSchema-instance" xmlns:pc="http://schemas.microsoft.com/office/infopath/2007/PartnerControls">
-  <documentManagement/>
-</p:properties>
-</file>
-
-<file path=customXml/item2.xml><?xml version="1.0" encoding="utf-8"?>
-<?mso-contentType ?>
-<FormTemplates xmlns="http://schemas.microsoft.com/sharepoint/v3/contenttype/forms">
-  <Display>DocumentLibraryForm</Display>
-  <Edit>DocumentLibraryForm</Edit>
-  <New>DocumentLibraryForm</New>
-</FormTemplates>
-</file>
-
-<file path=customXml/item3.xml><?xml version="1.0" encoding="utf-8"?>
 <ct:contentTypeSchema xmlns:ct="http://schemas.microsoft.com/office/2006/metadata/contentType" xmlns:ma="http://schemas.microsoft.com/office/2006/metadata/properties/metaAttributes" ct:_="" ma:_="" ma:contentTypeName="Document" ma:contentTypeID="0x0101001F513751AC33344AB32CFD2920EFE649" ma:contentTypeVersion="11" ma:contentTypeDescription="Create a new document." ma:contentTypeScope="" ma:versionID="683516f7d70434a0e4dbd6c476be8d5b">
   <xsd:schema xmlns:xsd="http://www.w3.org/2001/XMLSchema" xmlns:xs="http://www.w3.org/2001/XMLSchema" xmlns:p="http://schemas.microsoft.com/office/2006/metadata/properties" xmlns:ns2="72e3a154-4955-46c3-9573-e9dec3e1f195" xmlns:ns3="ec500478-62e0-46fc-87f1-cfa988e486b4" targetNamespace="http://schemas.microsoft.com/office/2006/metadata/properties" ma:root="true" ma:fieldsID="cf4a15c6a1eec5dbba94230cc6a50510" ns2:_="" ns3:_="">
     <xsd:import namespace="72e3a154-4955-46c3-9573-e9dec3e1f195"/>
@@ -6220,32 +6213,22 @@
 </ct:contentTypeSchema>
 </file>
 
-<file path=customXml/itemProps1.xml><?xml version="1.0" encoding="utf-8"?>
-<ds:datastoreItem xmlns:ds="http://schemas.openxmlformats.org/officeDocument/2006/customXml" ds:itemID="{4AFEE0E7-65B5-4841-9A79-244D5C373752}">
-  <ds:schemaRefs>
-    <ds:schemaRef ds:uri="http://purl.org/dc/elements/1.1/"/>
-    <ds:schemaRef ds:uri="http://schemas.microsoft.com/office/2006/metadata/properties"/>
-    <ds:schemaRef ds:uri="http://purl.org/dc/terms/"/>
-    <ds:schemaRef ds:uri="http://schemas.openxmlformats.org/package/2006/metadata/core-properties"/>
-    <ds:schemaRef ds:uri="72e3a154-4955-46c3-9573-e9dec3e1f195"/>
-    <ds:schemaRef ds:uri="http://schemas.microsoft.com/office/2006/documentManagement/types"/>
-    <ds:schemaRef ds:uri="http://schemas.microsoft.com/office/infopath/2007/PartnerControls"/>
-    <ds:schemaRef ds:uri="ec500478-62e0-46fc-87f1-cfa988e486b4"/>
-    <ds:schemaRef ds:uri="http://www.w3.org/XML/1998/namespace"/>
-    <ds:schemaRef ds:uri="http://purl.org/dc/dcmitype/"/>
-  </ds:schemaRefs>
-</ds:datastoreItem>
+<file path=customXml/item2.xml><?xml version="1.0" encoding="utf-8"?>
+<?mso-contentType ?>
+<FormTemplates xmlns="http://schemas.microsoft.com/sharepoint/v3/contenttype/forms">
+  <Display>DocumentLibraryForm</Display>
+  <Edit>DocumentLibraryForm</Edit>
+  <New>DocumentLibraryForm</New>
+</FormTemplates>
 </file>
 
-<file path=customXml/itemProps2.xml><?xml version="1.0" encoding="utf-8"?>
-<ds:datastoreItem xmlns:ds="http://schemas.openxmlformats.org/officeDocument/2006/customXml" ds:itemID="{163DDE5B-9594-4FF4-BA45-732F4D906AB9}">
-  <ds:schemaRefs>
-    <ds:schemaRef ds:uri="http://schemas.microsoft.com/sharepoint/v3/contenttype/forms"/>
-  </ds:schemaRefs>
-</ds:datastoreItem>
+<file path=customXml/item3.xml><?xml version="1.0" encoding="utf-8"?>
+<p:properties xmlns:p="http://schemas.microsoft.com/office/2006/metadata/properties" xmlns:xsi="http://www.w3.org/2001/XMLSchema-instance" xmlns:pc="http://schemas.microsoft.com/office/infopath/2007/PartnerControls">
+  <documentManagement/>
+</p:properties>
 </file>
 
-<file path=customXml/itemProps3.xml><?xml version="1.0" encoding="utf-8"?>
+<file path=customXml/itemProps1.xml><?xml version="1.0" encoding="utf-8"?>
 <ds:datastoreItem xmlns:ds="http://schemas.openxmlformats.org/officeDocument/2006/customXml" ds:itemID="{AF44EAD7-175C-4A36-BA39-6576B06D244E}">
   <ds:schemaRefs>
     <ds:schemaRef ds:uri="http://schemas.microsoft.com/office/2006/metadata/contentType"/>
@@ -6262,4 +6245,29 @@
     <ds:schemaRef ds:uri="http://schemas.microsoft.com/internal/obd"/>
   </ds:schemaRefs>
 </ds:datastoreItem>
+</file>
+
+<file path=customXml/itemProps2.xml><?xml version="1.0" encoding="utf-8"?>
+<ds:datastoreItem xmlns:ds="http://schemas.openxmlformats.org/officeDocument/2006/customXml" ds:itemID="{163DDE5B-9594-4FF4-BA45-732F4D906AB9}">
+  <ds:schemaRefs>
+    <ds:schemaRef ds:uri="http://schemas.microsoft.com/sharepoint/v3/contenttype/forms"/>
+  </ds:schemaRefs>
+</ds:datastoreItem>
+</file>
+
+<file path=customXml/itemProps3.xml><?xml version="1.0" encoding="utf-8"?>
+<ds:datastoreItem xmlns:ds="http://schemas.openxmlformats.org/officeDocument/2006/customXml" ds:itemID="{4AFEE0E7-65B5-4841-9A79-244D5C373752}">
+  <ds:schemaRefs>
+    <ds:schemaRef ds:uri="http://purl.org/dc/elements/1.1/"/>
+    <ds:schemaRef ds:uri="http://schemas.microsoft.com/office/2006/metadata/properties"/>
+    <ds:schemaRef ds:uri="http://purl.org/dc/terms/"/>
+    <ds:schemaRef ds:uri="http://schemas.openxmlformats.org/package/2006/metadata/core-properties"/>
+    <ds:schemaRef ds:uri="72e3a154-4955-46c3-9573-e9dec3e1f195"/>
+    <ds:schemaRef ds:uri="http://schemas.microsoft.com/office/2006/documentManagement/types"/>
+    <ds:schemaRef ds:uri="http://schemas.microsoft.com/office/infopath/2007/PartnerControls"/>
+    <ds:schemaRef ds:uri="ec500478-62e0-46fc-87f1-cfa988e486b4"/>
+    <ds:schemaRef ds:uri="http://www.w3.org/XML/1998/namespace"/>
+    <ds:schemaRef ds:uri="http://purl.org/dc/dcmitype/"/>
+  </ds:schemaRefs>
+</ds:datastoreItem>
 </file>